--- a/helpsessions/week7/week7_ID_alchemist.pptx
+++ b/helpsessions/week7/week7_ID_alchemist.pptx
@@ -5,19 +5,22 @@
     <p:sldMasterId id="2147483648" r:id="rId1"/>
   </p:sldMasterIdLst>
   <p:notesMasterIdLst>
-    <p:notesMasterId r:id="rId9"/>
+    <p:notesMasterId r:id="rId12"/>
   </p:notesMasterIdLst>
   <p:handoutMasterIdLst>
-    <p:handoutMasterId r:id="rId10"/>
+    <p:handoutMasterId r:id="rId13"/>
   </p:handoutMasterIdLst>
   <p:sldIdLst>
     <p:sldId id="256" r:id="rId2"/>
     <p:sldId id="257" r:id="rId3"/>
     <p:sldId id="258" r:id="rId4"/>
-    <p:sldId id="259" r:id="rId5"/>
-    <p:sldId id="260" r:id="rId6"/>
-    <p:sldId id="261" r:id="rId7"/>
-    <p:sldId id="262" r:id="rId8"/>
+    <p:sldId id="264" r:id="rId5"/>
+    <p:sldId id="265" r:id="rId6"/>
+    <p:sldId id="266" r:id="rId7"/>
+    <p:sldId id="259" r:id="rId8"/>
+    <p:sldId id="260" r:id="rId9"/>
+    <p:sldId id="261" r:id="rId10"/>
+    <p:sldId id="262" r:id="rId11"/>
   </p:sldIdLst>
   <p:sldSz cx="13817600" cy="7772400"/>
   <p:notesSz cx="6858000" cy="9144000"/>
@@ -3124,7 +3127,7 @@
           <a:p>
             <a:fld id="{4D7E51A5-B478-1E40-8CBB-0DAA8831E99D}" type="datetimeFigureOut">
               <a:rPr lang="en-US" smtClean="0"/>
-              <a:t>10/4/20</a:t>
+              <a:t>3/1/21</a:t>
             </a:fld>
             <a:endParaRPr lang="en-US"/>
           </a:p>
@@ -3289,7 +3292,7 @@
           <a:p>
             <a:fld id="{D0ED587F-861E-6740-9643-E3DDAE89B8D6}" type="datetimeFigureOut">
               <a:rPr lang="en-US" smtClean="0"/>
-              <a:t>10/4/20</a:t>
+              <a:t>3/1/21</a:t>
             </a:fld>
             <a:endParaRPr lang="en-US"/>
           </a:p>
@@ -9627,6 +9630,154 @@
 </p:sld>
 </file>
 
+<file path=ppt/slides/slide10.xml><?xml version="1.0" encoding="utf-8"?>
+<p:sld xmlns:a="http://schemas.openxmlformats.org/drawingml/2006/main" xmlns:r="http://schemas.openxmlformats.org/officeDocument/2006/relationships" xmlns:p="http://schemas.openxmlformats.org/presentationml/2006/main">
+  <p:cSld>
+    <p:spTree>
+      <p:nvGrpSpPr>
+        <p:cNvPr id="1" name=""/>
+        <p:cNvGrpSpPr/>
+        <p:nvPr/>
+      </p:nvGrpSpPr>
+      <p:grpSpPr>
+        <a:xfrm>
+          <a:off x="0" y="0"/>
+          <a:ext cx="0" cy="0"/>
+          <a:chOff x="0" y="0"/>
+          <a:chExt cx="0" cy="0"/>
+        </a:xfrm>
+      </p:grpSpPr>
+      <p:sp>
+        <p:nvSpPr>
+          <p:cNvPr id="2" name="Title 1">
+            <a:extLst>
+              <a:ext uri="{FF2B5EF4-FFF2-40B4-BE49-F238E27FC236}">
+                <a16:creationId xmlns:a16="http://schemas.microsoft.com/office/drawing/2014/main" id="{4D81EF84-9EEF-5944-A043-BB4693DF705C}"/>
+              </a:ext>
+            </a:extLst>
+          </p:cNvPr>
+          <p:cNvSpPr>
+            <a:spLocks noGrp="1"/>
+          </p:cNvSpPr>
+          <p:nvPr>
+            <p:ph type="title"/>
+          </p:nvPr>
+        </p:nvSpPr>
+        <p:spPr>
+          <a:xfrm>
+            <a:off x="9150030" y="2317590"/>
+            <a:ext cx="4039498" cy="1286510"/>
+          </a:xfrm>
+        </p:spPr>
+        <p:txBody>
+          <a:bodyPr wrap="square" anchor="t">
+            <a:normAutofit/>
+          </a:bodyPr>
+          <a:lstStyle/>
+          <a:p>
+            <a:r>
+              <a:rPr lang="en-US" dirty="0"/>
+              <a:t>More practice</a:t>
+            </a:r>
+          </a:p>
+        </p:txBody>
+      </p:sp>
+      <p:sp>
+        <p:nvSpPr>
+          <p:cNvPr id="9" name="Text Placeholder 2">
+            <a:extLst>
+              <a:ext uri="{FF2B5EF4-FFF2-40B4-BE49-F238E27FC236}">
+                <a16:creationId xmlns:a16="http://schemas.microsoft.com/office/drawing/2014/main" id="{041E6963-9C39-464B-8EE4-5749DECF203F}"/>
+              </a:ext>
+            </a:extLst>
+          </p:cNvPr>
+          <p:cNvSpPr>
+            <a:spLocks noGrp="1"/>
+          </p:cNvSpPr>
+          <p:nvPr>
+            <p:ph type="body" sz="quarter" idx="11"/>
+          </p:nvPr>
+        </p:nvSpPr>
+        <p:spPr>
+          <a:xfrm>
+            <a:off x="9150030" y="3729514"/>
+            <a:ext cx="4038600" cy="938590"/>
+          </a:xfrm>
+        </p:spPr>
+        <p:txBody>
+          <a:bodyPr/>
+          <a:lstStyle/>
+          <a:p>
+            <a:r>
+              <a:rPr lang="en-US" dirty="0"/>
+              <a:t>Hangman or crosswords</a:t>
+            </a:r>
+          </a:p>
+          <a:p>
+            <a:pPr marL="285750" indent="-285750">
+              <a:buFont typeface="Arial" panose="020B0604020202020204" pitchFamily="34" charset="0"/>
+              <a:buChar char="•"/>
+            </a:pPr>
+            <a:r>
+              <a:rPr lang="en-US" dirty="0"/>
+              <a:t>we indexed the words starting at 0</a:t>
+            </a:r>
+          </a:p>
+        </p:txBody>
+      </p:sp>
+      <p:graphicFrame>
+        <p:nvGraphicFramePr>
+          <p:cNvPr id="6" name="Text Placeholder 2">
+            <a:extLst>
+              <a:ext uri="{FF2B5EF4-FFF2-40B4-BE49-F238E27FC236}">
+                <a16:creationId xmlns:a16="http://schemas.microsoft.com/office/drawing/2014/main" id="{96B0170B-7AF6-4FFD-84A2-659C6F1BD44D}"/>
+              </a:ext>
+            </a:extLst>
+          </p:cNvPr>
+          <p:cNvGraphicFramePr/>
+          <p:nvPr>
+            <p:extLst>
+              <p:ext uri="{D42A27DB-BD31-4B8C-83A1-F6EECF244321}">
+                <p14:modId xmlns:p14="http://schemas.microsoft.com/office/powerpoint/2010/main" val="2970715436"/>
+              </p:ext>
+            </p:extLst>
+          </p:nvPr>
+        </p:nvGraphicFramePr>
+        <p:xfrm>
+          <a:off x="1269232" y="1443039"/>
+          <a:ext cx="6863004" cy="4996263"/>
+        </p:xfrm>
+        <a:graphic>
+          <a:graphicData uri="http://schemas.openxmlformats.org/drawingml/2006/diagram">
+            <dgm:relIds xmlns:dgm="http://schemas.openxmlformats.org/drawingml/2006/diagram" xmlns:r="http://schemas.openxmlformats.org/officeDocument/2006/relationships" r:dm="rId2" r:lo="rId3" r:qs="rId4" r:cs="rId5"/>
+          </a:graphicData>
+        </a:graphic>
+      </p:graphicFrame>
+    </p:spTree>
+    <p:extLst>
+      <p:ext uri="{BB962C8B-B14F-4D97-AF65-F5344CB8AC3E}">
+        <p14:creationId xmlns:p14="http://schemas.microsoft.com/office/powerpoint/2010/main" val="1173575575"/>
+      </p:ext>
+    </p:extLst>
+  </p:cSld>
+  <p:clrMapOvr>
+    <a:masterClrMapping/>
+  </p:clrMapOvr>
+  <mc:AlternateContent xmlns:mc="http://schemas.openxmlformats.org/markup-compatibility/2006" xmlns:p14="http://schemas.microsoft.com/office/powerpoint/2010/main">
+    <mc:Choice Requires="p14">
+      <p:transition p14:dur="300">
+        <p:fade/>
+      </p:transition>
+    </mc:Choice>
+    <mc:Fallback xmlns="">
+      <p:transition>
+        <p:fade/>
+      </p:transition>
+    </mc:Fallback>
+  </mc:AlternateContent>
+</p:sld>
+</file>
+
 <file path=ppt/slides/slide2.xml><?xml version="1.0" encoding="utf-8"?>
 <p:sld xmlns:a="http://schemas.openxmlformats.org/drawingml/2006/main" xmlns:r="http://schemas.openxmlformats.org/officeDocument/2006/relationships" xmlns:p="http://schemas.openxmlformats.org/presentationml/2006/main">
   <p:cSld>
@@ -10042,6 +10193,306 @@
       </p:grpSpPr>
       <p:sp>
         <p:nvSpPr>
+          <p:cNvPr id="2" name="Title 1">
+            <a:extLst>
+              <a:ext uri="{FF2B5EF4-FFF2-40B4-BE49-F238E27FC236}">
+                <a16:creationId xmlns:a16="http://schemas.microsoft.com/office/drawing/2014/main" id="{F3FDF5EF-905C-5B44-A249-BF12931361F0}"/>
+              </a:ext>
+            </a:extLst>
+          </p:cNvPr>
+          <p:cNvSpPr>
+            <a:spLocks noGrp="1"/>
+          </p:cNvSpPr>
+          <p:nvPr>
+            <p:ph type="title"/>
+          </p:nvPr>
+        </p:nvSpPr>
+        <p:spPr/>
+        <p:txBody>
+          <a:bodyPr/>
+          <a:lstStyle/>
+          <a:p>
+            <a:r>
+              <a:rPr lang="en-US" dirty="0"/>
+              <a:t>A couple knowledge checks</a:t>
+            </a:r>
+          </a:p>
+        </p:txBody>
+      </p:sp>
+      <p:sp>
+        <p:nvSpPr>
+          <p:cNvPr id="3" name="Text Placeholder 2">
+            <a:extLst>
+              <a:ext uri="{FF2B5EF4-FFF2-40B4-BE49-F238E27FC236}">
+                <a16:creationId xmlns:a16="http://schemas.microsoft.com/office/drawing/2014/main" id="{9FCC9DD7-4B16-5347-B66F-70E212235B2E}"/>
+              </a:ext>
+            </a:extLst>
+          </p:cNvPr>
+          <p:cNvSpPr>
+            <a:spLocks noGrp="1"/>
+          </p:cNvSpPr>
+          <p:nvPr>
+            <p:ph type="body" sz="quarter" idx="10"/>
+          </p:nvPr>
+        </p:nvSpPr>
+        <p:spPr/>
+        <p:txBody>
+          <a:bodyPr/>
+          <a:lstStyle/>
+          <a:p>
+            <a:endParaRPr lang="en-US"/>
+          </a:p>
+        </p:txBody>
+      </p:sp>
+    </p:spTree>
+    <p:extLst>
+      <p:ext uri="{BB962C8B-B14F-4D97-AF65-F5344CB8AC3E}">
+        <p14:creationId xmlns:p14="http://schemas.microsoft.com/office/powerpoint/2010/main" val="932687090"/>
+      </p:ext>
+    </p:extLst>
+  </p:cSld>
+  <p:clrMapOvr>
+    <a:masterClrMapping/>
+  </p:clrMapOvr>
+  <mc:AlternateContent xmlns:mc="http://schemas.openxmlformats.org/markup-compatibility/2006" xmlns:p14="http://schemas.microsoft.com/office/powerpoint/2010/main">
+    <mc:Choice Requires="p14">
+      <p:transition p14:dur="300">
+        <p:fade/>
+      </p:transition>
+    </mc:Choice>
+    <mc:Fallback xmlns="">
+      <p:transition>
+        <p:fade/>
+      </p:transition>
+    </mc:Fallback>
+  </mc:AlternateContent>
+</p:sld>
+</file>
+
+<file path=ppt/slides/slide5.xml><?xml version="1.0" encoding="utf-8"?>
+<p:sld xmlns:a="http://schemas.openxmlformats.org/drawingml/2006/main" xmlns:r="http://schemas.openxmlformats.org/officeDocument/2006/relationships" xmlns:p="http://schemas.openxmlformats.org/presentationml/2006/main">
+  <p:cSld>
+    <p:spTree>
+      <p:nvGrpSpPr>
+        <p:cNvPr id="1" name=""/>
+        <p:cNvGrpSpPr/>
+        <p:nvPr/>
+      </p:nvGrpSpPr>
+      <p:grpSpPr>
+        <a:xfrm>
+          <a:off x="0" y="0"/>
+          <a:ext cx="0" cy="0"/>
+          <a:chOff x="0" y="0"/>
+          <a:chExt cx="0" cy="0"/>
+        </a:xfrm>
+      </p:grpSpPr>
+      <p:sp>
+        <p:nvSpPr>
+          <p:cNvPr id="4" name="Title 3">
+            <a:extLst>
+              <a:ext uri="{FF2B5EF4-FFF2-40B4-BE49-F238E27FC236}">
+                <a16:creationId xmlns:a16="http://schemas.microsoft.com/office/drawing/2014/main" id="{24D5D7C4-2C9D-9D41-9E48-A5195583B1F5}"/>
+              </a:ext>
+            </a:extLst>
+          </p:cNvPr>
+          <p:cNvSpPr>
+            <a:spLocks noGrp="1"/>
+          </p:cNvSpPr>
+          <p:nvPr>
+            <p:ph type="title"/>
+          </p:nvPr>
+        </p:nvSpPr>
+        <p:spPr/>
+        <p:txBody>
+          <a:bodyPr/>
+          <a:lstStyle/>
+          <a:p>
+            <a:r>
+              <a:rPr lang="en-US" dirty="0"/>
+              <a:t>Discuss and Write It Out</a:t>
+            </a:r>
+          </a:p>
+        </p:txBody>
+      </p:sp>
+      <p:pic>
+        <p:nvPicPr>
+          <p:cNvPr id="6" name="Picture 5">
+            <a:extLst>
+              <a:ext uri="{FF2B5EF4-FFF2-40B4-BE49-F238E27FC236}">
+                <a16:creationId xmlns:a16="http://schemas.microsoft.com/office/drawing/2014/main" id="{1583209B-E15C-CB47-8221-5024CD4C36D7}"/>
+              </a:ext>
+            </a:extLst>
+          </p:cNvPr>
+          <p:cNvPicPr>
+            <a:picLocks noChangeAspect="1"/>
+          </p:cNvPicPr>
+          <p:nvPr/>
+        </p:nvPicPr>
+        <p:blipFill>
+          <a:blip r:embed="rId2"/>
+          <a:stretch>
+            <a:fillRect/>
+          </a:stretch>
+        </p:blipFill>
+        <p:spPr>
+          <a:xfrm>
+            <a:off x="1914237" y="1463722"/>
+            <a:ext cx="9989125" cy="5747168"/>
+          </a:xfrm>
+          <a:prstGeom prst="rect">
+            <a:avLst/>
+          </a:prstGeom>
+        </p:spPr>
+      </p:pic>
+    </p:spTree>
+    <p:extLst>
+      <p:ext uri="{BB962C8B-B14F-4D97-AF65-F5344CB8AC3E}">
+        <p14:creationId xmlns:p14="http://schemas.microsoft.com/office/powerpoint/2010/main" val="1141475200"/>
+      </p:ext>
+    </p:extLst>
+  </p:cSld>
+  <p:clrMapOvr>
+    <a:masterClrMapping/>
+  </p:clrMapOvr>
+  <mc:AlternateContent xmlns:mc="http://schemas.openxmlformats.org/markup-compatibility/2006" xmlns:p14="http://schemas.microsoft.com/office/powerpoint/2010/main">
+    <mc:Choice Requires="p14">
+      <p:transition p14:dur="300">
+        <p:fade/>
+      </p:transition>
+    </mc:Choice>
+    <mc:Fallback xmlns="">
+      <p:transition>
+        <p:fade/>
+      </p:transition>
+    </mc:Fallback>
+  </mc:AlternateContent>
+</p:sld>
+</file>
+
+<file path=ppt/slides/slide6.xml><?xml version="1.0" encoding="utf-8"?>
+<p:sld xmlns:a="http://schemas.openxmlformats.org/drawingml/2006/main" xmlns:r="http://schemas.openxmlformats.org/officeDocument/2006/relationships" xmlns:p="http://schemas.openxmlformats.org/presentationml/2006/main">
+  <p:cSld>
+    <p:spTree>
+      <p:nvGrpSpPr>
+        <p:cNvPr id="1" name=""/>
+        <p:cNvGrpSpPr/>
+        <p:nvPr/>
+      </p:nvGrpSpPr>
+      <p:grpSpPr>
+        <a:xfrm>
+          <a:off x="0" y="0"/>
+          <a:ext cx="0" cy="0"/>
+          <a:chOff x="0" y="0"/>
+          <a:chExt cx="0" cy="0"/>
+        </a:xfrm>
+      </p:grpSpPr>
+      <p:sp>
+        <p:nvSpPr>
+          <p:cNvPr id="2" name="Title 1">
+            <a:extLst>
+              <a:ext uri="{FF2B5EF4-FFF2-40B4-BE49-F238E27FC236}">
+                <a16:creationId xmlns:a16="http://schemas.microsoft.com/office/drawing/2014/main" id="{EAE3D254-0DD6-4049-B5A2-67C953A310C2}"/>
+              </a:ext>
+            </a:extLst>
+          </p:cNvPr>
+          <p:cNvSpPr>
+            <a:spLocks noGrp="1"/>
+          </p:cNvSpPr>
+          <p:nvPr>
+            <p:ph type="title"/>
+          </p:nvPr>
+        </p:nvSpPr>
+        <p:spPr>
+          <a:xfrm>
+            <a:off x="628075" y="448059"/>
+            <a:ext cx="12561453" cy="1015663"/>
+          </a:xfrm>
+        </p:spPr>
+        <p:txBody>
+          <a:bodyPr/>
+          <a:lstStyle/>
+          <a:p>
+            <a:r>
+              <a:rPr lang="en-US" dirty="0"/>
+              <a:t>A Knowledge Check – we covered last week</a:t>
+            </a:r>
+          </a:p>
+        </p:txBody>
+      </p:sp>
+      <p:pic>
+        <p:nvPicPr>
+          <p:cNvPr id="4" name="Picture 3">
+            <a:extLst>
+              <a:ext uri="{FF2B5EF4-FFF2-40B4-BE49-F238E27FC236}">
+                <a16:creationId xmlns:a16="http://schemas.microsoft.com/office/drawing/2014/main" id="{7498EDE5-E6F0-F043-9CA4-040E7CFA5E75}"/>
+              </a:ext>
+            </a:extLst>
+          </p:cNvPr>
+          <p:cNvPicPr>
+            <a:picLocks noChangeAspect="1"/>
+          </p:cNvPicPr>
+          <p:nvPr/>
+        </p:nvPicPr>
+        <p:blipFill>
+          <a:blip r:embed="rId2"/>
+          <a:stretch>
+            <a:fillRect/>
+          </a:stretch>
+        </p:blipFill>
+        <p:spPr>
+          <a:xfrm>
+            <a:off x="1752600" y="1463722"/>
+            <a:ext cx="10312400" cy="5390896"/>
+          </a:xfrm>
+          <a:prstGeom prst="rect">
+            <a:avLst/>
+          </a:prstGeom>
+        </p:spPr>
+      </p:pic>
+    </p:spTree>
+    <p:extLst>
+      <p:ext uri="{BB962C8B-B14F-4D97-AF65-F5344CB8AC3E}">
+        <p14:creationId xmlns:p14="http://schemas.microsoft.com/office/powerpoint/2010/main" val="4064501988"/>
+      </p:ext>
+    </p:extLst>
+  </p:cSld>
+  <p:clrMapOvr>
+    <a:masterClrMapping/>
+  </p:clrMapOvr>
+  <mc:AlternateContent xmlns:mc="http://schemas.openxmlformats.org/markup-compatibility/2006" xmlns:p14="http://schemas.microsoft.com/office/powerpoint/2010/main">
+    <mc:Choice Requires="p14">
+      <p:transition p14:dur="300">
+        <p:fade/>
+      </p:transition>
+    </mc:Choice>
+    <mc:Fallback xmlns="">
+      <p:transition>
+        <p:fade/>
+      </p:transition>
+    </mc:Fallback>
+  </mc:AlternateContent>
+</p:sld>
+</file>
+
+<file path=ppt/slides/slide7.xml><?xml version="1.0" encoding="utf-8"?>
+<p:sld xmlns:a="http://schemas.openxmlformats.org/drawingml/2006/main" xmlns:r="http://schemas.openxmlformats.org/officeDocument/2006/relationships" xmlns:p="http://schemas.openxmlformats.org/presentationml/2006/main">
+  <p:cSld>
+    <p:spTree>
+      <p:nvGrpSpPr>
+        <p:cNvPr id="1" name=""/>
+        <p:cNvGrpSpPr/>
+        <p:nvPr/>
+      </p:nvGrpSpPr>
+      <p:grpSpPr>
+        <a:xfrm>
+          <a:off x="0" y="0"/>
+          <a:ext cx="0" cy="0"/>
+          <a:chOff x="0" y="0"/>
+          <a:chExt cx="0" cy="0"/>
+        </a:xfrm>
+      </p:grpSpPr>
+      <p:sp>
+        <p:nvSpPr>
           <p:cNvPr id="4" name="Title 3">
             <a:extLst>
               <a:ext uri="{FF2B5EF4-FFF2-40B4-BE49-F238E27FC236}">
@@ -10118,7 +10569,7 @@
 </p:sld>
 </file>
 
-<file path=ppt/slides/slide5.xml><?xml version="1.0" encoding="utf-8"?>
+<file path=ppt/slides/slide8.xml><?xml version="1.0" encoding="utf-8"?>
 <p:sld xmlns:a="http://schemas.openxmlformats.org/drawingml/2006/main" xmlns:r="http://schemas.openxmlformats.org/officeDocument/2006/relationships" xmlns:p="http://schemas.openxmlformats.org/presentationml/2006/main">
   <p:cSld>
     <p:spTree>
@@ -10943,7 +11394,7 @@
 </p:sld>
 </file>
 
-<file path=ppt/slides/slide6.xml><?xml version="1.0" encoding="utf-8"?>
+<file path=ppt/slides/slide9.xml><?xml version="1.0" encoding="utf-8"?>
 <p:sld xmlns:a="http://schemas.openxmlformats.org/drawingml/2006/main" xmlns:r="http://schemas.openxmlformats.org/officeDocument/2006/relationships" xmlns:p="http://schemas.openxmlformats.org/presentationml/2006/main">
   <p:cSld>
     <p:spTree>
@@ -11792,154 +12243,6 @@
       <p:bldP spid="15" grpId="0"/>
     </p:bldLst>
   </p:timing>
-</p:sld>
-</file>
-
-<file path=ppt/slides/slide7.xml><?xml version="1.0" encoding="utf-8"?>
-<p:sld xmlns:a="http://schemas.openxmlformats.org/drawingml/2006/main" xmlns:r="http://schemas.openxmlformats.org/officeDocument/2006/relationships" xmlns:p="http://schemas.openxmlformats.org/presentationml/2006/main">
-  <p:cSld>
-    <p:spTree>
-      <p:nvGrpSpPr>
-        <p:cNvPr id="1" name=""/>
-        <p:cNvGrpSpPr/>
-        <p:nvPr/>
-      </p:nvGrpSpPr>
-      <p:grpSpPr>
-        <a:xfrm>
-          <a:off x="0" y="0"/>
-          <a:ext cx="0" cy="0"/>
-          <a:chOff x="0" y="0"/>
-          <a:chExt cx="0" cy="0"/>
-        </a:xfrm>
-      </p:grpSpPr>
-      <p:sp>
-        <p:nvSpPr>
-          <p:cNvPr id="2" name="Title 1">
-            <a:extLst>
-              <a:ext uri="{FF2B5EF4-FFF2-40B4-BE49-F238E27FC236}">
-                <a16:creationId xmlns:a16="http://schemas.microsoft.com/office/drawing/2014/main" id="{4D81EF84-9EEF-5944-A043-BB4693DF705C}"/>
-              </a:ext>
-            </a:extLst>
-          </p:cNvPr>
-          <p:cNvSpPr>
-            <a:spLocks noGrp="1"/>
-          </p:cNvSpPr>
-          <p:nvPr>
-            <p:ph type="title"/>
-          </p:nvPr>
-        </p:nvSpPr>
-        <p:spPr>
-          <a:xfrm>
-            <a:off x="9150030" y="2317590"/>
-            <a:ext cx="4039498" cy="1286510"/>
-          </a:xfrm>
-        </p:spPr>
-        <p:txBody>
-          <a:bodyPr wrap="square" anchor="t">
-            <a:normAutofit/>
-          </a:bodyPr>
-          <a:lstStyle/>
-          <a:p>
-            <a:r>
-              <a:rPr lang="en-US" dirty="0"/>
-              <a:t>More practice</a:t>
-            </a:r>
-          </a:p>
-        </p:txBody>
-      </p:sp>
-      <p:sp>
-        <p:nvSpPr>
-          <p:cNvPr id="9" name="Text Placeholder 2">
-            <a:extLst>
-              <a:ext uri="{FF2B5EF4-FFF2-40B4-BE49-F238E27FC236}">
-                <a16:creationId xmlns:a16="http://schemas.microsoft.com/office/drawing/2014/main" id="{041E6963-9C39-464B-8EE4-5749DECF203F}"/>
-              </a:ext>
-            </a:extLst>
-          </p:cNvPr>
-          <p:cNvSpPr>
-            <a:spLocks noGrp="1"/>
-          </p:cNvSpPr>
-          <p:nvPr>
-            <p:ph type="body" sz="quarter" idx="11"/>
-          </p:nvPr>
-        </p:nvSpPr>
-        <p:spPr>
-          <a:xfrm>
-            <a:off x="9150030" y="3729514"/>
-            <a:ext cx="4038600" cy="938590"/>
-          </a:xfrm>
-        </p:spPr>
-        <p:txBody>
-          <a:bodyPr/>
-          <a:lstStyle/>
-          <a:p>
-            <a:r>
-              <a:rPr lang="en-US" dirty="0"/>
-              <a:t>Hangman or crosswords</a:t>
-            </a:r>
-          </a:p>
-          <a:p>
-            <a:pPr marL="285750" indent="-285750">
-              <a:buFont typeface="Arial" panose="020B0604020202020204" pitchFamily="34" charset="0"/>
-              <a:buChar char="•"/>
-            </a:pPr>
-            <a:r>
-              <a:rPr lang="en-US" dirty="0"/>
-              <a:t>we indexed the words starting at 0</a:t>
-            </a:r>
-          </a:p>
-        </p:txBody>
-      </p:sp>
-      <p:graphicFrame>
-        <p:nvGraphicFramePr>
-          <p:cNvPr id="6" name="Text Placeholder 2">
-            <a:extLst>
-              <a:ext uri="{FF2B5EF4-FFF2-40B4-BE49-F238E27FC236}">
-                <a16:creationId xmlns:a16="http://schemas.microsoft.com/office/drawing/2014/main" id="{96B0170B-7AF6-4FFD-84A2-659C6F1BD44D}"/>
-              </a:ext>
-            </a:extLst>
-          </p:cNvPr>
-          <p:cNvGraphicFramePr/>
-          <p:nvPr>
-            <p:extLst>
-              <p:ext uri="{D42A27DB-BD31-4B8C-83A1-F6EECF244321}">
-                <p14:modId xmlns:p14="http://schemas.microsoft.com/office/powerpoint/2010/main" val="2970715436"/>
-              </p:ext>
-            </p:extLst>
-          </p:nvPr>
-        </p:nvGraphicFramePr>
-        <p:xfrm>
-          <a:off x="1269232" y="1443039"/>
-          <a:ext cx="6863004" cy="4996263"/>
-        </p:xfrm>
-        <a:graphic>
-          <a:graphicData uri="http://schemas.openxmlformats.org/drawingml/2006/diagram">
-            <dgm:relIds xmlns:dgm="http://schemas.openxmlformats.org/drawingml/2006/diagram" xmlns:r="http://schemas.openxmlformats.org/officeDocument/2006/relationships" r:dm="rId2" r:lo="rId3" r:qs="rId4" r:cs="rId5"/>
-          </a:graphicData>
-        </a:graphic>
-      </p:graphicFrame>
-    </p:spTree>
-    <p:extLst>
-      <p:ext uri="{BB962C8B-B14F-4D97-AF65-F5344CB8AC3E}">
-        <p14:creationId xmlns:p14="http://schemas.microsoft.com/office/powerpoint/2010/main" val="1173575575"/>
-      </p:ext>
-    </p:extLst>
-  </p:cSld>
-  <p:clrMapOvr>
-    <a:masterClrMapping/>
-  </p:clrMapOvr>
-  <mc:AlternateContent xmlns:mc="http://schemas.openxmlformats.org/markup-compatibility/2006" xmlns:p14="http://schemas.microsoft.com/office/powerpoint/2010/main">
-    <mc:Choice Requires="p14">
-      <p:transition p14:dur="300">
-        <p:fade/>
-      </p:transition>
-    </mc:Choice>
-    <mc:Fallback xmlns="">
-      <p:transition>
-        <p:fade/>
-      </p:transition>
-    </mc:Fallback>
-  </mc:AlternateContent>
 </p:sld>
 </file>
 
